--- a/figures/zoning_structure.pptx
+++ b/figures/zoning_structure.pptx
@@ -259,7 +259,7 @@
           <a:p>
             <a:fld id="{1A30122B-BC72-41F7-938E-33D4221D7AF9}" type="datetimeFigureOut">
               <a:rPr lang="en-US" smtClean="0"/>
-              <a:t>6/16/2025</a:t>
+              <a:t>6/20/2025</a:t>
             </a:fld>
             <a:endParaRPr lang="en-US"/>
           </a:p>
@@ -457,7 +457,7 @@
           <a:p>
             <a:fld id="{1A30122B-BC72-41F7-938E-33D4221D7AF9}" type="datetimeFigureOut">
               <a:rPr lang="en-US" smtClean="0"/>
-              <a:t>6/16/2025</a:t>
+              <a:t>6/20/2025</a:t>
             </a:fld>
             <a:endParaRPr lang="en-US"/>
           </a:p>
@@ -665,7 +665,7 @@
           <a:p>
             <a:fld id="{1A30122B-BC72-41F7-938E-33D4221D7AF9}" type="datetimeFigureOut">
               <a:rPr lang="en-US" smtClean="0"/>
-              <a:t>6/16/2025</a:t>
+              <a:t>6/20/2025</a:t>
             </a:fld>
             <a:endParaRPr lang="en-US"/>
           </a:p>
@@ -863,7 +863,7 @@
           <a:p>
             <a:fld id="{1A30122B-BC72-41F7-938E-33D4221D7AF9}" type="datetimeFigureOut">
               <a:rPr lang="en-US" smtClean="0"/>
-              <a:t>6/16/2025</a:t>
+              <a:t>6/20/2025</a:t>
             </a:fld>
             <a:endParaRPr lang="en-US"/>
           </a:p>
@@ -1138,7 +1138,7 @@
           <a:p>
             <a:fld id="{1A30122B-BC72-41F7-938E-33D4221D7AF9}" type="datetimeFigureOut">
               <a:rPr lang="en-US" smtClean="0"/>
-              <a:t>6/16/2025</a:t>
+              <a:t>6/20/2025</a:t>
             </a:fld>
             <a:endParaRPr lang="en-US"/>
           </a:p>
@@ -1403,7 +1403,7 @@
           <a:p>
             <a:fld id="{1A30122B-BC72-41F7-938E-33D4221D7AF9}" type="datetimeFigureOut">
               <a:rPr lang="en-US" smtClean="0"/>
-              <a:t>6/16/2025</a:t>
+              <a:t>6/20/2025</a:t>
             </a:fld>
             <a:endParaRPr lang="en-US"/>
           </a:p>
@@ -1815,7 +1815,7 @@
           <a:p>
             <a:fld id="{1A30122B-BC72-41F7-938E-33D4221D7AF9}" type="datetimeFigureOut">
               <a:rPr lang="en-US" smtClean="0"/>
-              <a:t>6/16/2025</a:t>
+              <a:t>6/20/2025</a:t>
             </a:fld>
             <a:endParaRPr lang="en-US"/>
           </a:p>
@@ -1956,7 +1956,7 @@
           <a:p>
             <a:fld id="{1A30122B-BC72-41F7-938E-33D4221D7AF9}" type="datetimeFigureOut">
               <a:rPr lang="en-US" smtClean="0"/>
-              <a:t>6/16/2025</a:t>
+              <a:t>6/20/2025</a:t>
             </a:fld>
             <a:endParaRPr lang="en-US"/>
           </a:p>
@@ -2069,7 +2069,7 @@
           <a:p>
             <a:fld id="{1A30122B-BC72-41F7-938E-33D4221D7AF9}" type="datetimeFigureOut">
               <a:rPr lang="en-US" smtClean="0"/>
-              <a:t>6/16/2025</a:t>
+              <a:t>6/20/2025</a:t>
             </a:fld>
             <a:endParaRPr lang="en-US"/>
           </a:p>
@@ -2380,7 +2380,7 @@
           <a:p>
             <a:fld id="{1A30122B-BC72-41F7-938E-33D4221D7AF9}" type="datetimeFigureOut">
               <a:rPr lang="en-US" smtClean="0"/>
-              <a:t>6/16/2025</a:t>
+              <a:t>6/20/2025</a:t>
             </a:fld>
             <a:endParaRPr lang="en-US"/>
           </a:p>
@@ -2668,7 +2668,7 @@
           <a:p>
             <a:fld id="{1A30122B-BC72-41F7-938E-33D4221D7AF9}" type="datetimeFigureOut">
               <a:rPr lang="en-US" smtClean="0"/>
-              <a:t>6/16/2025</a:t>
+              <a:t>6/20/2025</a:t>
             </a:fld>
             <a:endParaRPr lang="en-US"/>
           </a:p>
@@ -2909,7 +2909,7 @@
           <a:p>
             <a:fld id="{1A30122B-BC72-41F7-938E-33D4221D7AF9}" type="datetimeFigureOut">
               <a:rPr lang="en-US" smtClean="0"/>
-              <a:t>6/16/2025</a:t>
+              <a:t>6/20/2025</a:t>
             </a:fld>
             <a:endParaRPr lang="en-US"/>
           </a:p>
@@ -4048,7 +4048,7 @@
                 <a:ea typeface="Cascadia Mono Light" panose="020B0609020000020004" pitchFamily="49" charset="0"/>
                 <a:cs typeface="Cascadia Mono Light" panose="020B0609020000020004" pitchFamily="49" charset="0"/>
               </a:rPr>
-              <a:t>: (conditionally required)</a:t>
+              <a:t>: (optional)</a:t>
             </a:r>
           </a:p>
           <a:p>
@@ -4061,12 +4061,20 @@
               <a:t>dist_abbr</a:t>
             </a:r>
             <a:r>
+              <a:rPr lang="en-US" sz="1100">
+                <a:latin typeface="Cascadia Mono Light" panose="020B0609020000020004" pitchFamily="49" charset="0"/>
+                <a:ea typeface="Cascadia Mono Light" panose="020B0609020000020004" pitchFamily="49" charset="0"/>
+                <a:cs typeface="Cascadia Mono Light" panose="020B0609020000020004" pitchFamily="49" charset="0"/>
+              </a:rPr>
+              <a:t>: (required</a:t>
+            </a:r>
+            <a:r>
               <a:rPr lang="en-US" sz="1100" dirty="0">
                 <a:latin typeface="Cascadia Mono Light" panose="020B0609020000020004" pitchFamily="49" charset="0"/>
                 <a:ea typeface="Cascadia Mono Light" panose="020B0609020000020004" pitchFamily="49" charset="0"/>
                 <a:cs typeface="Cascadia Mono Light" panose="020B0609020000020004" pitchFamily="49" charset="0"/>
               </a:rPr>
-              <a:t>: (conditionally required)</a:t>
+              <a:t>)</a:t>
             </a:r>
           </a:p>
           <a:p>
@@ -5091,7 +5099,7 @@
         <p:spPr>
           <a:xfrm>
             <a:off x="2402666" y="2689668"/>
-            <a:ext cx="934871" cy="261610"/>
+            <a:ext cx="851515" cy="261610"/>
           </a:xfrm>
           <a:prstGeom prst="rect">
             <a:avLst/>
@@ -5110,7 +5118,23 @@
                 <a:ea typeface="Cascadia Mono Light" panose="020B0609020000020004" pitchFamily="49" charset="0"/>
                 <a:cs typeface="Cascadia Mono Light" panose="020B0609020000020004" pitchFamily="49" charset="0"/>
               </a:rPr>
-              <a:t>res_types</a:t>
+              <a:t>res</a:t>
+            </a:r>
+            <a:r>
+              <a:rPr lang="en-US" sz="1100" err="1">
+                <a:latin typeface="Cascadia Mono Light" panose="020B0609020000020004" pitchFamily="49" charset="0"/>
+                <a:ea typeface="Cascadia Mono Light" panose="020B0609020000020004" pitchFamily="49" charset="0"/>
+                <a:cs typeface="Cascadia Mono Light" panose="020B0609020000020004" pitchFamily="49" charset="0"/>
+              </a:rPr>
+              <a:t>_</a:t>
+            </a:r>
+            <a:r>
+              <a:rPr lang="en-US" sz="1100">
+                <a:latin typeface="Cascadia Mono Light" panose="020B0609020000020004" pitchFamily="49" charset="0"/>
+                <a:ea typeface="Cascadia Mono Light" panose="020B0609020000020004" pitchFamily="49" charset="0"/>
+                <a:cs typeface="Cascadia Mono Light" panose="020B0609020000020004" pitchFamily="49" charset="0"/>
+              </a:rPr>
+              <a:t>type</a:t>
             </a:r>
             <a:endParaRPr lang="en-US" sz="1100" dirty="0">
               <a:latin typeface="Cascadia Mono Light" panose="020B0609020000020004" pitchFamily="49" charset="0"/>
